--- a/SportKvest/BASKETBOL.pptx
+++ b/SportKvest/BASKETBOL.pptx
@@ -452,7 +452,7 @@
             <a:fld id="{B61BEF0D-F0BB-DE4B-95CE-6DB70DBA9567}" type="datetimeFigureOut">
               <a:rPr lang="en-US" dirty="0"/>
               <a:pPr/>
-              <a:t>3/16/2021</a:t>
+              <a:t>3/17/2021</a:t>
             </a:fld>
             <a:endParaRPr lang="en-US" dirty="0"/>
           </a:p>
@@ -773,7 +773,7 @@
             <a:fld id="{B61BEF0D-F0BB-DE4B-95CE-6DB70DBA9567}" type="datetimeFigureOut">
               <a:rPr lang="en-US" dirty="0"/>
               <a:pPr/>
-              <a:t>3/16/2021</a:t>
+              <a:t>3/17/2021</a:t>
             </a:fld>
             <a:endParaRPr lang="en-US" dirty="0"/>
           </a:p>
@@ -1018,7 +1018,7 @@
             <a:fld id="{B61BEF0D-F0BB-DE4B-95CE-6DB70DBA9567}" type="datetimeFigureOut">
               <a:rPr lang="en-US" dirty="0"/>
               <a:pPr/>
-              <a:t>3/16/2021</a:t>
+              <a:t>3/17/2021</a:t>
             </a:fld>
             <a:endParaRPr lang="en-US" dirty="0"/>
           </a:p>
@@ -1354,7 +1354,7 @@
             <a:fld id="{B61BEF0D-F0BB-DE4B-95CE-6DB70DBA9567}" type="datetimeFigureOut">
               <a:rPr lang="en-US" dirty="0"/>
               <a:pPr/>
-              <a:t>3/16/2021</a:t>
+              <a:t>3/17/2021</a:t>
             </a:fld>
             <a:endParaRPr lang="en-US" dirty="0"/>
           </a:p>
@@ -1698,7 +1698,7 @@
             <a:fld id="{B61BEF0D-F0BB-DE4B-95CE-6DB70DBA9567}" type="datetimeFigureOut">
               <a:rPr lang="en-US" dirty="0"/>
               <a:pPr/>
-              <a:t>3/16/2021</a:t>
+              <a:t>3/17/2021</a:t>
             </a:fld>
             <a:endParaRPr lang="en-US" dirty="0"/>
           </a:p>
@@ -2069,7 +2069,7 @@
             <a:fld id="{B61BEF0D-F0BB-DE4B-95CE-6DB70DBA9567}" type="datetimeFigureOut">
               <a:rPr lang="en-US" dirty="0"/>
               <a:pPr/>
-              <a:t>3/16/2021</a:t>
+              <a:t>3/17/2021</a:t>
             </a:fld>
             <a:endParaRPr lang="en-US" dirty="0"/>
           </a:p>
@@ -2536,7 +2536,7 @@
             <a:fld id="{B61BEF0D-F0BB-DE4B-95CE-6DB70DBA9567}" type="datetimeFigureOut">
               <a:rPr lang="en-US" dirty="0"/>
               <a:pPr/>
-              <a:t>3/16/2021</a:t>
+              <a:t>3/17/2021</a:t>
             </a:fld>
             <a:endParaRPr lang="en-US" dirty="0"/>
           </a:p>
@@ -2738,7 +2738,7 @@
             <a:fld id="{B61BEF0D-F0BB-DE4B-95CE-6DB70DBA9567}" type="datetimeFigureOut">
               <a:rPr lang="en-US" dirty="0"/>
               <a:pPr/>
-              <a:t>3/16/2021</a:t>
+              <a:t>3/17/2021</a:t>
             </a:fld>
             <a:endParaRPr lang="en-US" dirty="0"/>
           </a:p>
@@ -2946,7 +2946,7 @@
             <a:fld id="{B61BEF0D-F0BB-DE4B-95CE-6DB70DBA9567}" type="datetimeFigureOut">
               <a:rPr lang="en-US" dirty="0"/>
               <a:pPr/>
-              <a:t>3/16/2021</a:t>
+              <a:t>3/17/2021</a:t>
             </a:fld>
             <a:endParaRPr lang="en-US" dirty="0"/>
           </a:p>
@@ -3174,7 +3174,7 @@
           <a:p>
             <a:fld id="{05BFA754-D5C3-4E66-96A6-867B257F58DC}" type="datetimeFigureOut">
               <a:rPr lang="en-US" dirty="0"/>
-              <a:t>3/16/2021</a:t>
+              <a:t>3/17/2021</a:t>
             </a:fld>
             <a:endParaRPr lang="en-US" dirty="0"/>
           </a:p>
@@ -3418,7 +3418,7 @@
             <a:fld id="{B61BEF0D-F0BB-DE4B-95CE-6DB70DBA9567}" type="datetimeFigureOut">
               <a:rPr lang="en-US" dirty="0"/>
               <a:pPr/>
-              <a:t>3/16/2021</a:t>
+              <a:t>3/17/2021</a:t>
             </a:fld>
             <a:endParaRPr lang="en-US" dirty="0"/>
           </a:p>
@@ -3681,7 +3681,7 @@
           <a:p>
             <a:fld id="{05BFA754-D5C3-4E66-96A6-867B257F58DC}" type="datetimeFigureOut">
               <a:rPr lang="en-US" dirty="0"/>
-              <a:t>3/16/2021</a:t>
+              <a:t>3/17/2021</a:t>
             </a:fld>
             <a:endParaRPr lang="en-US" dirty="0"/>
           </a:p>
@@ -4090,7 +4090,7 @@
             <a:fld id="{B61BEF0D-F0BB-DE4B-95CE-6DB70DBA9567}" type="datetimeFigureOut">
               <a:rPr lang="en-US" dirty="0"/>
               <a:pPr/>
-              <a:t>3/16/2021</a:t>
+              <a:t>3/17/2021</a:t>
             </a:fld>
             <a:endParaRPr lang="en-US" dirty="0"/>
           </a:p>
@@ -4236,7 +4236,7 @@
             <a:fld id="{B61BEF0D-F0BB-DE4B-95CE-6DB70DBA9567}" type="datetimeFigureOut">
               <a:rPr lang="en-US" dirty="0"/>
               <a:pPr/>
-              <a:t>3/16/2021</a:t>
+              <a:t>3/17/2021</a:t>
             </a:fld>
             <a:endParaRPr lang="en-US" dirty="0"/>
           </a:p>
@@ -4359,7 +4359,7 @@
             <a:fld id="{B61BEF0D-F0BB-DE4B-95CE-6DB70DBA9567}" type="datetimeFigureOut">
               <a:rPr lang="en-US" dirty="0"/>
               <a:pPr/>
-              <a:t>3/16/2021</a:t>
+              <a:t>3/17/2021</a:t>
             </a:fld>
             <a:endParaRPr lang="en-US" dirty="0"/>
           </a:p>
@@ -4611,7 +4611,7 @@
             <a:fld id="{B61BEF0D-F0BB-DE4B-95CE-6DB70DBA9567}" type="datetimeFigureOut">
               <a:rPr lang="en-US" dirty="0"/>
               <a:pPr/>
-              <a:t>3/16/2021</a:t>
+              <a:t>3/17/2021</a:t>
             </a:fld>
             <a:endParaRPr lang="en-US" dirty="0"/>
           </a:p>
@@ -4923,7 +4923,7 @@
             <a:fld id="{B61BEF0D-F0BB-DE4B-95CE-6DB70DBA9567}" type="datetimeFigureOut">
               <a:rPr lang="en-US" dirty="0"/>
               <a:pPr/>
-              <a:t>3/16/2021</a:t>
+              <a:t>3/17/2021</a:t>
             </a:fld>
             <a:endParaRPr lang="en-US" dirty="0"/>
           </a:p>
@@ -5271,7 +5271,7 @@
             <a:fld id="{B61BEF0D-F0BB-DE4B-95CE-6DB70DBA9567}" type="datetimeFigureOut">
               <a:rPr lang="en-US" dirty="0"/>
               <a:pPr/>
-              <a:t>3/16/2021</a:t>
+              <a:t>3/17/2021</a:t>
             </a:fld>
             <a:endParaRPr lang="en-US" dirty="0"/>
           </a:p>
@@ -5843,12 +5843,38 @@
             <p:ph type="subTitle" idx="1"/>
           </p:nvPr>
         </p:nvSpPr>
-        <p:spPr/>
-        <p:txBody>
-          <a:bodyPr/>
-          <a:lstStyle/>
-          <a:p>
-            <a:endParaRPr lang="ru-RU"/>
+        <p:spPr>
+          <a:xfrm>
+            <a:off x="6977449" y="3657597"/>
+            <a:ext cx="2530618" cy="1320802"/>
+          </a:xfrm>
+        </p:spPr>
+        <p:txBody>
+          <a:bodyPr>
+            <a:normAutofit/>
+          </a:bodyPr>
+          <a:lstStyle/>
+          <a:p>
+            <a:pPr algn="r"/>
+            <a:r>
+              <a:rPr lang="ru-RU" sz="1600" dirty="0" smtClean="0"/>
+              <a:t>Разработали:</a:t>
+            </a:r>
+          </a:p>
+          <a:p>
+            <a:pPr algn="r"/>
+            <a:r>
+              <a:rPr lang="ru-RU" sz="1600" dirty="0" smtClean="0"/>
+              <a:t>Пронин Александр и Морозов Андрей</a:t>
+            </a:r>
+          </a:p>
+          <a:p>
+            <a:pPr algn="r"/>
+            <a:r>
+              <a:rPr lang="ru-RU" sz="1600" dirty="0" smtClean="0"/>
+              <a:t>Группы 18ИС-1</a:t>
+            </a:r>
+            <a:endParaRPr lang="ru-RU" sz="1400" dirty="0"/>
           </a:p>
         </p:txBody>
       </p:sp>
